--- a/HaiNaBian_PM知识分享/PPT/Last/PPT_V6.pptx
+++ b/HaiNaBian_PM知识分享/PPT/Last/PPT_V6.pptx
@@ -205,7 +205,7 @@
           <a:p>
             <a:fld id="{5E249CF5-6E7D-7747-92C5-A32CF2FED365}" type="datetimeFigureOut">
               <a:rPr kumimoji="1" lang="zh-CN" altLang="en-US" smtClean="0"/>
-              <a:t>19/7/2</a:t>
+              <a:t>19/7/3</a:t>
             </a:fld>
             <a:endParaRPr kumimoji="1" lang="zh-CN" altLang="en-US"/>
           </a:p>
@@ -2879,7 +2879,7 @@
           <a:p>
             <a:fld id="{32371D95-0243-5B4E-8F5A-A7A26013F7CF}" type="datetimeFigureOut">
               <a:rPr kumimoji="1" lang="zh-CN" altLang="en-US" smtClean="0"/>
-              <a:t>19/7/2</a:t>
+              <a:t>19/7/3</a:t>
             </a:fld>
             <a:endParaRPr kumimoji="1" lang="zh-CN" altLang="en-US"/>
           </a:p>
@@ -3060,7 +3060,7 @@
           <a:p>
             <a:fld id="{32371D95-0243-5B4E-8F5A-A7A26013F7CF}" type="datetimeFigureOut">
               <a:rPr kumimoji="1" lang="zh-CN" altLang="en-US" smtClean="0"/>
-              <a:t>19/7/2</a:t>
+              <a:t>19/7/3</a:t>
             </a:fld>
             <a:endParaRPr kumimoji="1" lang="zh-CN" altLang="en-US"/>
           </a:p>
@@ -3211,7 +3211,7 @@
           <a:p>
             <a:fld id="{32371D95-0243-5B4E-8F5A-A7A26013F7CF}" type="datetimeFigureOut">
               <a:rPr kumimoji="1" lang="zh-CN" altLang="en-US" smtClean="0"/>
-              <a:t>19/7/2</a:t>
+              <a:t>19/7/3</a:t>
             </a:fld>
             <a:endParaRPr kumimoji="1" lang="zh-CN" altLang="en-US"/>
           </a:p>
@@ -5037,7 +5037,7 @@
           <a:p>
             <a:fld id="{32371D95-0243-5B4E-8F5A-A7A26013F7CF}" type="datetimeFigureOut">
               <a:rPr kumimoji="1" lang="zh-CN" altLang="en-US" smtClean="0"/>
-              <a:t>19/7/2</a:t>
+              <a:t>19/7/3</a:t>
             </a:fld>
             <a:endParaRPr kumimoji="1" lang="zh-CN" altLang="en-US"/>
           </a:p>
@@ -6907,7 +6907,7 @@
           <a:p>
             <a:fld id="{32371D95-0243-5B4E-8F5A-A7A26013F7CF}" type="datetimeFigureOut">
               <a:rPr kumimoji="1" lang="zh-CN" altLang="en-US" smtClean="0"/>
-              <a:t>19/7/2</a:t>
+              <a:t>19/7/3</a:t>
             </a:fld>
             <a:endParaRPr kumimoji="1" lang="zh-CN" altLang="en-US"/>
           </a:p>
@@ -7020,7 +7020,7 @@
           <a:p>
             <a:fld id="{32371D95-0243-5B4E-8F5A-A7A26013F7CF}" type="datetimeFigureOut">
               <a:rPr kumimoji="1" lang="zh-CN" altLang="en-US" smtClean="0"/>
-              <a:t>19/7/2</a:t>
+              <a:t>19/7/3</a:t>
             </a:fld>
             <a:endParaRPr kumimoji="1" lang="zh-CN" altLang="en-US"/>
           </a:p>
@@ -7561,7 +7561,7 @@
           <a:p>
             <a:fld id="{32371D95-0243-5B4E-8F5A-A7A26013F7CF}" type="datetimeFigureOut">
               <a:rPr kumimoji="1" lang="zh-CN" altLang="en-US" smtClean="0"/>
-              <a:t>19/7/2</a:t>
+              <a:t>19/7/3</a:t>
             </a:fld>
             <a:endParaRPr kumimoji="1" lang="zh-CN" altLang="en-US"/>
           </a:p>
@@ -7674,7 +7674,7 @@
           <a:p>
             <a:fld id="{32371D95-0243-5B4E-8F5A-A7A26013F7CF}" type="datetimeFigureOut">
               <a:rPr kumimoji="1" lang="zh-CN" altLang="en-US" smtClean="0"/>
-              <a:t>19/7/2</a:t>
+              <a:t>19/7/3</a:t>
             </a:fld>
             <a:endParaRPr kumimoji="1" lang="zh-CN" altLang="en-US"/>
           </a:p>
@@ -9385,7 +9385,7 @@
           <a:p>
             <a:fld id="{32371D95-0243-5B4E-8F5A-A7A26013F7CF}" type="datetimeFigureOut">
               <a:rPr kumimoji="1" lang="zh-CN" altLang="en-US" smtClean="0"/>
-              <a:t>19/7/2</a:t>
+              <a:t>19/7/3</a:t>
             </a:fld>
             <a:endParaRPr kumimoji="1" lang="zh-CN" altLang="en-US"/>
           </a:p>
@@ -9536,7 +9536,7 @@
           <a:p>
             <a:fld id="{32371D95-0243-5B4E-8F5A-A7A26013F7CF}" type="datetimeFigureOut">
               <a:rPr kumimoji="1" lang="zh-CN" altLang="en-US" smtClean="0"/>
-              <a:t>19/7/2</a:t>
+              <a:t>19/7/3</a:t>
             </a:fld>
             <a:endParaRPr kumimoji="1" lang="zh-CN" altLang="en-US"/>
           </a:p>
@@ -13151,7 +13151,7 @@
           <a:p>
             <a:fld id="{32371D95-0243-5B4E-8F5A-A7A26013F7CF}" type="datetimeFigureOut">
               <a:rPr kumimoji="1" lang="zh-CN" altLang="en-US" smtClean="0"/>
-              <a:t>19/7/2</a:t>
+              <a:t>19/7/3</a:t>
             </a:fld>
             <a:endParaRPr kumimoji="1" lang="zh-CN" altLang="en-US"/>
           </a:p>
@@ -15010,7 +15010,7 @@
           <a:p>
             <a:fld id="{32371D95-0243-5B4E-8F5A-A7A26013F7CF}" type="datetimeFigureOut">
               <a:rPr kumimoji="1" lang="zh-CN" altLang="en-US" smtClean="0"/>
-              <a:t>19/7/2</a:t>
+              <a:t>19/7/3</a:t>
             </a:fld>
             <a:endParaRPr kumimoji="1" lang="zh-CN" altLang="en-US"/>
           </a:p>
@@ -15794,23 +15794,7 @@
                   <a:srgbClr val="FF0000"/>
                 </a:solidFill>
               </a:rPr>
-              <a:t>活动</a:t>
-            </a:r>
-            <a:r>
-              <a:rPr lang="zh-CN" altLang="en-US" sz="2000" b="1" dirty="0" smtClean="0">
-                <a:solidFill>
-                  <a:srgbClr val="FF0000"/>
-                </a:solidFill>
-              </a:rPr>
-              <a:t>总结</a:t>
-            </a:r>
-            <a:r>
-              <a:rPr lang="zh-CN" altLang="en-US" sz="2000" b="1" dirty="0" smtClean="0">
-                <a:solidFill>
-                  <a:srgbClr val="FF0000"/>
-                </a:solidFill>
-              </a:rPr>
-              <a:t> </a:t>
+              <a:t>活动总结 </a:t>
             </a:r>
             <a:r>
               <a:rPr lang="en-US" altLang="zh-CN" sz="2000" b="1" dirty="0" smtClean="0">
@@ -17192,7 +17176,7 @@
           <a:graphicData uri="http://schemas.openxmlformats.org/presentationml/2006/ole">
             <mc:AlternateContent xmlns:mc="http://schemas.openxmlformats.org/markup-compatibility/2006">
               <mc:Choice xmlns:v="urn:schemas-microsoft-com:vml" Requires="v">
-                <p:oleObj spid="_x0000_s1433" name="CorelDRAW" r:id="rId3" imgW="1866199" imgH="1034186" progId="">
+                <p:oleObj spid="_x0000_s1456" name="CorelDRAW" r:id="rId3" imgW="1866199" imgH="1034186" progId="">
                   <p:embed/>
                 </p:oleObj>
               </mc:Choice>
@@ -17451,7 +17435,7 @@
         </p:blipFill>
         <p:spPr>
           <a:xfrm>
-            <a:off x="1091631" y="3721608"/>
+            <a:off x="1093913" y="3434916"/>
             <a:ext cx="7818120" cy="3136392"/>
           </a:xfrm>
           <a:prstGeom prst="rect">
@@ -17481,8 +17465,8 @@
         </p:blipFill>
         <p:spPr>
           <a:xfrm>
-            <a:off x="232326" y="247831"/>
-            <a:ext cx="6086965" cy="3418845"/>
+            <a:off x="232326" y="472240"/>
+            <a:ext cx="5274795" cy="2962676"/>
           </a:xfrm>
           <a:prstGeom prst="rect">
             <a:avLst/>
@@ -19435,15 +19419,7 @@
                   <a:schemeClr val="accent1"/>
                 </a:solidFill>
               </a:rPr>
-              <a:t> </a:t>
-            </a:r>
-            <a:r>
-              <a:rPr kumimoji="1" lang="en-US" altLang="zh-CN" dirty="0" smtClean="0">
-                <a:solidFill>
-                  <a:schemeClr val="accent1"/>
-                </a:solidFill>
-              </a:rPr>
-              <a:t>(.8)2-5</a:t>
+              <a:t> (.8)2-5</a:t>
             </a:r>
             <a:r>
               <a:rPr kumimoji="1" lang="en-US" altLang="zh-CN" dirty="0">
@@ -19585,15 +19561,7 @@
                   <a:schemeClr val="accent1"/>
                 </a:solidFill>
               </a:rPr>
-              <a:t> </a:t>
-            </a:r>
-            <a:r>
-              <a:rPr kumimoji="1" lang="en-US" altLang="zh-CN" dirty="0" smtClean="0">
-                <a:solidFill>
-                  <a:schemeClr val="accent1"/>
-                </a:solidFill>
-              </a:rPr>
-              <a:t>(</a:t>
+              <a:t> (</a:t>
             </a:r>
             <a:r>
               <a:rPr kumimoji="1" lang="en-US" altLang="zh-CN" dirty="0">
@@ -20333,15 +20301,7 @@
                   <a:srgbClr val="FF0000"/>
                 </a:solidFill>
               </a:rPr>
-              <a:t>活动</a:t>
-            </a:r>
-            <a:r>
-              <a:rPr lang="zh-CN" altLang="en-US" sz="2000" b="1" dirty="0" smtClean="0">
-                <a:solidFill>
-                  <a:srgbClr val="FF0000"/>
-                </a:solidFill>
-              </a:rPr>
-              <a:t>分析 </a:t>
+              <a:t>活动分析 </a:t>
             </a:r>
             <a:r>
               <a:rPr lang="en-US" altLang="zh-CN" sz="2000" b="1" dirty="0" smtClean="0">
@@ -20357,15 +20317,7 @@
                   <a:srgbClr val="FF0000"/>
                 </a:solidFill>
               </a:rPr>
-              <a:t>项目</a:t>
-            </a:r>
-            <a:r>
-              <a:rPr lang="zh-CN" altLang="en-US" sz="2000" b="1" dirty="0" smtClean="0">
-                <a:solidFill>
-                  <a:srgbClr val="FF0000"/>
-                </a:solidFill>
-              </a:rPr>
-              <a:t>管理</a:t>
+              <a:t>项目管理</a:t>
             </a:r>
             <a:r>
               <a:rPr lang="en-US" altLang="zh-CN" sz="2000" b="1" dirty="0" smtClean="0">
@@ -22300,23 +22252,7 @@
                   <a:srgbClr val="FF0000"/>
                 </a:solidFill>
               </a:rPr>
-              <a:t>活动</a:t>
-            </a:r>
-            <a:r>
-              <a:rPr lang="zh-CN" altLang="en-US" sz="2000" b="1" dirty="0" smtClean="0">
-                <a:solidFill>
-                  <a:srgbClr val="FF0000"/>
-                </a:solidFill>
-              </a:rPr>
-              <a:t>分配</a:t>
-            </a:r>
-            <a:r>
-              <a:rPr lang="zh-CN" altLang="en-US" sz="2000" b="1" dirty="0" smtClean="0">
-                <a:solidFill>
-                  <a:srgbClr val="FF0000"/>
-                </a:solidFill>
-              </a:rPr>
-              <a:t> </a:t>
+              <a:t>活动分配 </a:t>
             </a:r>
             <a:r>
               <a:rPr lang="en-US" altLang="zh-CN" sz="2000" b="1" dirty="0" smtClean="0">
@@ -24148,23 +24084,7 @@
                   <a:srgbClr val="FF0000"/>
                 </a:solidFill>
               </a:rPr>
-              <a:t>活动</a:t>
-            </a:r>
-            <a:r>
-              <a:rPr lang="zh-CN" altLang="en-US" sz="2000" b="1" dirty="0" smtClean="0">
-                <a:solidFill>
-                  <a:srgbClr val="FF0000"/>
-                </a:solidFill>
-              </a:rPr>
-              <a:t>的时间安排</a:t>
-            </a:r>
-            <a:r>
-              <a:rPr lang="zh-CN" altLang="en-US" sz="2000" b="1" dirty="0" smtClean="0">
-                <a:solidFill>
-                  <a:srgbClr val="FF0000"/>
-                </a:solidFill>
-              </a:rPr>
-              <a:t> </a:t>
+              <a:t>活动的时间安排 </a:t>
             </a:r>
             <a:r>
               <a:rPr lang="en-US" altLang="zh-CN" sz="2000" b="1" dirty="0" smtClean="0">
@@ -25131,23 +25051,7 @@
                   <a:srgbClr val="FF0000"/>
                 </a:solidFill>
               </a:rPr>
-              <a:t>活动</a:t>
-            </a:r>
-            <a:r>
-              <a:rPr lang="zh-CN" altLang="en-US" sz="2000" b="1" dirty="0" smtClean="0">
-                <a:solidFill>
-                  <a:srgbClr val="FF0000"/>
-                </a:solidFill>
-              </a:rPr>
-              <a:t>总结</a:t>
-            </a:r>
-            <a:r>
-              <a:rPr lang="zh-CN" altLang="en-US" sz="2000" b="1" dirty="0" smtClean="0">
-                <a:solidFill>
-                  <a:srgbClr val="FF0000"/>
-                </a:solidFill>
-              </a:rPr>
-              <a:t> </a:t>
+              <a:t>活动总结 </a:t>
             </a:r>
             <a:r>
               <a:rPr lang="en-US" altLang="zh-CN" sz="2000" b="1" dirty="0" smtClean="0">
@@ -25307,23 +25211,7 @@
                   <a:srgbClr val="FF0000"/>
                 </a:solidFill>
               </a:rPr>
-              <a:t>活动</a:t>
-            </a:r>
-            <a:r>
-              <a:rPr lang="zh-CN" altLang="en-US" sz="2000" b="1" dirty="0" smtClean="0">
-                <a:solidFill>
-                  <a:srgbClr val="FF0000"/>
-                </a:solidFill>
-              </a:rPr>
-              <a:t>总结</a:t>
-            </a:r>
-            <a:r>
-              <a:rPr lang="zh-CN" altLang="en-US" sz="2000" b="1" dirty="0" smtClean="0">
-                <a:solidFill>
-                  <a:srgbClr val="FF0000"/>
-                </a:solidFill>
-              </a:rPr>
-              <a:t> </a:t>
+              <a:t>活动总结 </a:t>
             </a:r>
             <a:r>
               <a:rPr lang="en-US" altLang="zh-CN" sz="2000" b="1" dirty="0" smtClean="0">
@@ -25415,32 +25303,8 @@
                 </a:solidFill>
                 <a:sym typeface="Wingdings"/>
               </a:rPr>
-              <a:t>主要原因：辣椒不易过多、加大姜片用量且放入少许陈皮、</a:t>
-            </a:r>
-            <a:r>
-              <a:rPr kumimoji="1" lang="zh-CN" altLang="en-US" dirty="0" smtClean="0">
-                <a:solidFill>
-                  <a:srgbClr val="FF0000"/>
-                </a:solidFill>
-                <a:sym typeface="Wingdings"/>
-              </a:rPr>
-              <a:t>应当采用清水虾</a:t>
-            </a:r>
-            <a:r>
-              <a:rPr kumimoji="1" lang="zh-CN" altLang="en-US" dirty="0" smtClean="0">
-                <a:solidFill>
-                  <a:srgbClr val="FF0000"/>
-                </a:solidFill>
-                <a:sym typeface="Wingdings"/>
-              </a:rPr>
-              <a:t> 。。。</a:t>
-            </a:r>
-            <a:endParaRPr kumimoji="1" lang="zh-CN" altLang="en-US" dirty="0" smtClean="0">
-              <a:solidFill>
-                <a:srgbClr val="FF0000"/>
-              </a:solidFill>
-              <a:sym typeface="Wingdings"/>
-            </a:endParaRPr>
+              <a:t>主要原因：辣椒不易过多、加大姜片用量且放入少许陈皮、应当采用清水虾 。。。</a:t>
+            </a:r>
           </a:p>
           <a:p>
             <a:r>
@@ -25471,25 +25335,7 @@
                 </a:solidFill>
                 <a:sym typeface="Wingdings"/>
               </a:rPr>
-              <a:t>可能</a:t>
-            </a:r>
-            <a:r>
-              <a:rPr kumimoji="1" lang="zh-CN" altLang="en-US" dirty="0" smtClean="0">
-                <a:solidFill>
-                  <a:srgbClr val="FF0000"/>
-                </a:solidFill>
-                <a:sym typeface="Wingdings"/>
-              </a:rPr>
-              <a:t>原因：</a:t>
-            </a:r>
-            <a:r>
-              <a:rPr kumimoji="1" lang="zh-CN" altLang="en-US" dirty="0" smtClean="0">
-                <a:solidFill>
-                  <a:srgbClr val="FF0000"/>
-                </a:solidFill>
-                <a:sym typeface="Wingdings"/>
-              </a:rPr>
-              <a:t>小龙虾未洗干净、香料炒太久、小龙虾如果太早、焖煮时间太久 。。。</a:t>
+              <a:t>可能原因：小龙虾未洗干净、香料炒太久、小龙虾如果太早、焖煮时间太久 。。。</a:t>
             </a:r>
             <a:endParaRPr kumimoji="1" lang="zh-CN" altLang="en-US" dirty="0">
               <a:solidFill>

--- a/HaiNaBian_PM知识分享/PPT/Last/PPT_V6.pptx
+++ b/HaiNaBian_PM知识分享/PPT/Last/PPT_V6.pptx
@@ -16154,8 +16154,8 @@
           <a:p>
             <a:pPr algn="ctr"/>
             <a:r>
-              <a:rPr kumimoji="1" lang="zh-CN" altLang="en-US" dirty="0" smtClean="0"/>
-              <a:t>资源</a:t>
+              <a:rPr kumimoji="1" lang="zh-CN" altLang="en-US" smtClean="0"/>
+              <a:t>。。。</a:t>
             </a:r>
             <a:endParaRPr kumimoji="1" lang="zh-CN" altLang="en-US" dirty="0"/>
           </a:p>
@@ -17176,7 +17176,7 @@
           <a:graphicData uri="http://schemas.openxmlformats.org/presentationml/2006/ole">
             <mc:AlternateContent xmlns:mc="http://schemas.openxmlformats.org/markup-compatibility/2006">
               <mc:Choice xmlns:v="urn:schemas-microsoft-com:vml" Requires="v">
-                <p:oleObj spid="_x0000_s1456" name="CorelDRAW" r:id="rId3" imgW="1866199" imgH="1034186" progId="">
+                <p:oleObj spid="_x0000_s1468" name="CorelDRAW" r:id="rId3" imgW="1866199" imgH="1034186" progId="">
                   <p:embed/>
                 </p:oleObj>
               </mc:Choice>
@@ -19707,7 +19707,7 @@
           <a:p>
             <a:r>
               <a:rPr kumimoji="1" lang="zh-CN" altLang="en-US" dirty="0" smtClean="0"/>
-              <a:t>筹备  </a:t>
+              <a:t>筹划</a:t>
             </a:r>
             <a:endParaRPr kumimoji="1" lang="zh-CN" altLang="en-US" dirty="0"/>
           </a:p>
@@ -20453,8 +20453,8 @@
         </p:nvSpPr>
         <p:spPr>
           <a:xfrm>
-            <a:off x="496284" y="4066742"/>
-            <a:ext cx="904313" cy="369332"/>
+            <a:off x="324280" y="3743576"/>
+            <a:ext cx="1076318" cy="646331"/>
           </a:xfrm>
           <a:prstGeom prst="rect">
             <a:avLst/>
@@ -20468,6 +20468,30 @@
           <a:lstStyle/>
           <a:p>
             <a:pPr algn="ctr"/>
+            <a:r>
+              <a:rPr kumimoji="1" lang="zh-CN" altLang="en-US" dirty="0" smtClean="0">
+                <a:solidFill>
+                  <a:schemeClr val="bg1"/>
+                </a:solidFill>
+              </a:rPr>
+              <a:t>（</a:t>
+            </a:r>
+            <a:r>
+              <a:rPr kumimoji="1" lang="en-US" altLang="zh-CN" dirty="0">
+                <a:solidFill>
+                  <a:schemeClr val="bg1"/>
+                </a:solidFill>
+              </a:rPr>
+              <a:t>X</a:t>
+            </a:r>
+            <a:r>
+              <a:rPr kumimoji="1" lang="zh-CN" altLang="en-US" dirty="0" smtClean="0">
+                <a:solidFill>
+                  <a:schemeClr val="bg1"/>
+                </a:solidFill>
+              </a:rPr>
+              <a:t>）  </a:t>
+            </a:r>
             <a:r>
               <a:rPr kumimoji="1" lang="zh-CN" altLang="en-US" dirty="0" smtClean="0">
                 <a:solidFill>
@@ -20492,8 +20516,8 @@
         </p:nvSpPr>
         <p:spPr>
           <a:xfrm>
-            <a:off x="619047" y="5537318"/>
-            <a:ext cx="764753" cy="646331"/>
+            <a:off x="513081" y="5237608"/>
+            <a:ext cx="764753" cy="923330"/>
           </a:xfrm>
           <a:prstGeom prst="rect">
             <a:avLst/>
@@ -20505,6 +20529,38 @@
             <a:spAutoFit/>
           </a:bodyPr>
           <a:lstStyle/>
+          <a:p>
+            <a:pPr algn="ctr"/>
+            <a:r>
+              <a:rPr kumimoji="1" lang="zh-CN" altLang="en-US" dirty="0" smtClean="0">
+                <a:solidFill>
+                  <a:srgbClr val="000000"/>
+                </a:solidFill>
+              </a:rPr>
+              <a:t>（</a:t>
+            </a:r>
+            <a:r>
+              <a:rPr kumimoji="1" lang="en-US" altLang="zh-CN" dirty="0" smtClean="0">
+                <a:solidFill>
+                  <a:srgbClr val="000000"/>
+                </a:solidFill>
+              </a:rPr>
+              <a:t>Y</a:t>
+            </a:r>
+            <a:r>
+              <a:rPr kumimoji="1" lang="zh-CN" altLang="en-US" dirty="0" smtClean="0">
+                <a:solidFill>
+                  <a:srgbClr val="000000"/>
+                </a:solidFill>
+              </a:rPr>
+              <a:t>）  </a:t>
+            </a:r>
+            <a:endParaRPr kumimoji="1" lang="en-US" altLang="zh-CN" dirty="0" smtClean="0">
+              <a:solidFill>
+                <a:srgbClr val="000000"/>
+              </a:solidFill>
+            </a:endParaRPr>
+          </a:p>
           <a:p>
             <a:pPr algn="ctr"/>
             <a:r>
@@ -22210,7 +22266,7 @@
         <p:spPr>
           <a:xfrm>
             <a:off x="479487" y="502683"/>
-            <a:ext cx="3057247" cy="400110"/>
+            <a:ext cx="3570208" cy="400110"/>
           </a:xfrm>
           <a:prstGeom prst="rect">
             <a:avLst/>
@@ -22235,7 +22291,7 @@
               <a:t></a:t>
             </a:r>
             <a:r>
-              <a:rPr lang="en-US" altLang="zh-CN" sz="2000" b="1" dirty="0" smtClean="0">
+              <a:rPr lang="zh-CN" altLang="en-US" sz="2000" b="1" dirty="0" smtClean="0">
                 <a:solidFill>
                   <a:srgbClr val="FF0000"/>
                 </a:solidFill>
@@ -22252,7 +22308,7 @@
                   <a:srgbClr val="FF0000"/>
                 </a:solidFill>
               </a:rPr>
-              <a:t>活动分配 </a:t>
+              <a:t>具体什么活动 </a:t>
             </a:r>
             <a:r>
               <a:rPr lang="en-US" altLang="zh-CN" sz="2000" b="1" dirty="0" smtClean="0">
@@ -24526,7 +24582,7 @@
           <p:nvPr>
             <p:extLst>
               <p:ext uri="{D42A27DB-BD31-4B8C-83A1-F6EECF244321}">
-                <p14:modId xmlns:p14="http://schemas.microsoft.com/office/powerpoint/2010/main" val="2793210779"/>
+                <p14:modId xmlns:p14="http://schemas.microsoft.com/office/powerpoint/2010/main" val="1540985273"/>
               </p:ext>
             </p:extLst>
           </p:nvPr>
@@ -24585,7 +24641,7 @@
                     <a:p>
                       <a:r>
                         <a:rPr lang="zh-CN" altLang="zh-CN" dirty="0" smtClean="0"/>
-                        <a:t>清水小龙虾</a:t>
+                        <a:t>小龙虾</a:t>
                       </a:r>
                       <a:endParaRPr lang="zh-CN" altLang="en-US" dirty="0"/>
                     </a:p>
